--- a/presentation/CSS_Grid_Layouts.pptx
+++ b/presentation/CSS_Grid_Layouts.pptx
@@ -15,6 +15,7 @@
     <p:sldId id="263" r:id="rId9"/>
     <p:sldId id="264" r:id="rId10"/>
     <p:sldId id="265" r:id="rId11"/>
+    <p:sldId id="266" r:id="rId12"/>
   </p:sldIdLst>
   <p:sldSz cx="12192000" cy="6858000"/>
   <p:notesSz cx="6858000" cy="9144000"/>
@@ -3533,33 +3534,11 @@
                   </a:schemeClr>
                 </a:solidFill>
               </a:rPr>
-              <a:t>Grid </a:t>
-            </a:r>
-            <a:r>
-              <a:rPr lang="en-US" dirty="0" err="1">
-                <a:solidFill>
-                  <a:schemeClr val="tx1">
-                    <a:lumMod val="75000"/>
-                    <a:lumOff val="25000"/>
-                  </a:schemeClr>
-                </a:solidFill>
-              </a:rPr>
-              <a:t>comunts</a:t>
-            </a:r>
-            <a:r>
-              <a:rPr lang="en-US" dirty="0">
-                <a:solidFill>
-                  <a:schemeClr val="tx1">
-                    <a:lumMod val="75000"/>
-                    <a:lumOff val="25000"/>
-                  </a:schemeClr>
-                </a:solidFill>
-              </a:rPr>
-              <a:t> and rows - d</a:t>
+              <a:t>Grid columns and rows - d</a:t>
             </a:r>
             <a:r>
               <a:rPr lang="en-GB" dirty="0" err="1"/>
-              <a:t>etermines</a:t>
+              <a:t>etermine</a:t>
             </a:r>
             <a:r>
               <a:rPr lang="en-GB" dirty="0"/>
@@ -3731,7 +3710,17 @@
             </a:r>
           </a:p>
           <a:p>
-            <a:endParaRPr lang="en-RU" dirty="0"/>
+            <a:r>
+              <a:rPr lang="en-RU" dirty="0">
+                <a:solidFill>
+                  <a:schemeClr val="tx1">
+                    <a:lumMod val="50000"/>
+                    <a:lumOff val="50000"/>
+                  </a:schemeClr>
+                </a:solidFill>
+              </a:rPr>
+              <a:t>- References</a:t>
+            </a:r>
           </a:p>
           <a:p>
             <a:endParaRPr lang="en-RU" dirty="0"/>
@@ -3811,6 +3800,592 @@
 </p:sld>
 </file>
 
+<file path=ppt/slides/slide11.xml><?xml version="1.0" encoding="utf-8"?>
+<p:sld xmlns:a="http://schemas.openxmlformats.org/drawingml/2006/main" xmlns:r="http://schemas.openxmlformats.org/officeDocument/2006/relationships" xmlns:p="http://schemas.openxmlformats.org/presentationml/2006/main">
+  <p:cSld>
+    <p:spTree>
+      <p:nvGrpSpPr>
+        <p:cNvPr id="1" name=""/>
+        <p:cNvGrpSpPr/>
+        <p:nvPr/>
+      </p:nvGrpSpPr>
+      <p:grpSpPr>
+        <a:xfrm>
+          <a:off x="0" y="0"/>
+          <a:ext cx="0" cy="0"/>
+          <a:chOff x="0" y="0"/>
+          <a:chExt cx="0" cy="0"/>
+        </a:xfrm>
+      </p:grpSpPr>
+      <p:sp>
+        <p:nvSpPr>
+          <p:cNvPr id="2" name="Title 1">
+            <a:extLst>
+              <a:ext uri="{FF2B5EF4-FFF2-40B4-BE49-F238E27FC236}">
+                <a16:creationId xmlns:a16="http://schemas.microsoft.com/office/drawing/2014/main" id="{78B9E47F-57E3-6044-B6E3-9CD629527091}"/>
+              </a:ext>
+            </a:extLst>
+          </p:cNvPr>
+          <p:cNvSpPr>
+            <a:spLocks noGrp="1"/>
+          </p:cNvSpPr>
+          <p:nvPr>
+            <p:ph type="title"/>
+          </p:nvPr>
+        </p:nvSpPr>
+        <p:spPr>
+          <a:xfrm>
+            <a:off x="3405350" y="365125"/>
+            <a:ext cx="7948449" cy="672843"/>
+          </a:xfrm>
+        </p:spPr>
+        <p:txBody>
+          <a:bodyPr>
+            <a:normAutofit fontScale="90000"/>
+          </a:bodyPr>
+          <a:lstStyle/>
+          <a:p>
+            <a:r>
+              <a:rPr lang="en-RU" dirty="0">
+                <a:solidFill>
+                  <a:schemeClr val="tx1">
+                    <a:lumMod val="75000"/>
+                    <a:lumOff val="25000"/>
+                  </a:schemeClr>
+                </a:solidFill>
+              </a:rPr>
+              <a:t>References</a:t>
+            </a:r>
+          </a:p>
+        </p:txBody>
+      </p:sp>
+      <p:sp>
+        <p:nvSpPr>
+          <p:cNvPr id="3" name="Content Placeholder 2">
+            <a:extLst>
+              <a:ext uri="{FF2B5EF4-FFF2-40B4-BE49-F238E27FC236}">
+                <a16:creationId xmlns:a16="http://schemas.microsoft.com/office/drawing/2014/main" id="{4AD43930-289E-2245-A973-62547397321C}"/>
+              </a:ext>
+            </a:extLst>
+          </p:cNvPr>
+          <p:cNvSpPr>
+            <a:spLocks noGrp="1"/>
+          </p:cNvSpPr>
+          <p:nvPr>
+            <p:ph idx="1"/>
+          </p:nvPr>
+        </p:nvSpPr>
+        <p:spPr>
+          <a:xfrm>
+            <a:off x="3405351" y="1301709"/>
+            <a:ext cx="7948448" cy="5191166"/>
+          </a:xfrm>
+        </p:spPr>
+        <p:txBody>
+          <a:bodyPr>
+            <a:normAutofit/>
+          </a:bodyPr>
+          <a:lstStyle/>
+          <a:p>
+            <a:pPr marL="514350" indent="-514350">
+              <a:buAutoNum type="arabicPeriod"/>
+            </a:pPr>
+            <a:r>
+              <a:rPr lang="en-RU" dirty="0">
+                <a:solidFill>
+                  <a:schemeClr val="tx1">
+                    <a:lumMod val="75000"/>
+                    <a:lumOff val="25000"/>
+                  </a:schemeClr>
+                </a:solidFill>
+              </a:rPr>
+              <a:t>A complete guide to Grid (</a:t>
+            </a:r>
+            <a:r>
+              <a:rPr lang="en-GB" dirty="0">
+                <a:solidFill>
+                  <a:schemeClr val="tx1">
+                    <a:lumMod val="75000"/>
+                    <a:lumOff val="25000"/>
+                  </a:schemeClr>
+                </a:solidFill>
+                <a:hlinkClick r:id="rId2"/>
+              </a:rPr>
+              <a:t>https://css-tricks.com/snippets/css/complete-guide-grid/</a:t>
+            </a:r>
+            <a:r>
+              <a:rPr lang="en-RU" dirty="0">
+                <a:solidFill>
+                  <a:schemeClr val="tx1">
+                    <a:lumMod val="75000"/>
+                    <a:lumOff val="25000"/>
+                  </a:schemeClr>
+                </a:solidFill>
+              </a:rPr>
+              <a:t>)</a:t>
+            </a:r>
+          </a:p>
+          <a:p>
+            <a:pPr marL="514350" indent="-514350">
+              <a:buAutoNum type="arabicPeriod"/>
+            </a:pPr>
+            <a:r>
+              <a:rPr lang="ru-RU" dirty="0">
+                <a:solidFill>
+                  <a:schemeClr val="tx1">
+                    <a:lumMod val="75000"/>
+                    <a:lumOff val="25000"/>
+                  </a:schemeClr>
+                </a:solidFill>
+              </a:rPr>
+              <a:t>Основные понятия </a:t>
+            </a:r>
+            <a:r>
+              <a:rPr lang="en-RU" dirty="0">
+                <a:solidFill>
+                  <a:schemeClr val="tx1">
+                    <a:lumMod val="75000"/>
+                    <a:lumOff val="25000"/>
+                  </a:schemeClr>
+                </a:solidFill>
+              </a:rPr>
+              <a:t>Grid Layout </a:t>
+            </a:r>
+            <a:r>
+              <a:rPr lang="ru-RU" dirty="0">
+                <a:solidFill>
+                  <a:schemeClr val="tx1">
+                    <a:lumMod val="75000"/>
+                    <a:lumOff val="25000"/>
+                  </a:schemeClr>
+                </a:solidFill>
+              </a:rPr>
+              <a:t>на русском</a:t>
+            </a:r>
+            <a:r>
+              <a:rPr lang="en-RU" dirty="0">
+                <a:solidFill>
+                  <a:schemeClr val="tx1">
+                    <a:lumMod val="75000"/>
+                    <a:lumOff val="25000"/>
+                  </a:schemeClr>
+                </a:solidFill>
+              </a:rPr>
+              <a:t> (</a:t>
+            </a:r>
+            <a:r>
+              <a:rPr lang="en-GB" dirty="0">
+                <a:solidFill>
+                  <a:schemeClr val="tx1">
+                    <a:lumMod val="75000"/>
+                    <a:lumOff val="25000"/>
+                  </a:schemeClr>
+                </a:solidFill>
+                <a:hlinkClick r:id="rId3"/>
+              </a:rPr>
+              <a:t>https://developer.mozilla.org/ru/docs/Web/CSS/CSS_Grid_Layout/Basic_Concepts_of_Grid_Layout</a:t>
+            </a:r>
+            <a:r>
+              <a:rPr lang="en-GB" dirty="0">
+                <a:solidFill>
+                  <a:schemeClr val="tx1">
+                    <a:lumMod val="75000"/>
+                    <a:lumOff val="25000"/>
+                  </a:schemeClr>
+                </a:solidFill>
+              </a:rPr>
+              <a:t>)</a:t>
+            </a:r>
+          </a:p>
+          <a:p>
+            <a:pPr marL="514350" indent="-514350">
+              <a:buAutoNum type="arabicPeriod"/>
+            </a:pPr>
+            <a:r>
+              <a:rPr lang="en-US" dirty="0">
+                <a:solidFill>
+                  <a:schemeClr val="tx1">
+                    <a:lumMod val="75000"/>
+                    <a:lumOff val="25000"/>
+                  </a:schemeClr>
+                </a:solidFill>
+              </a:rPr>
+              <a:t>Grid Garden (</a:t>
+            </a:r>
+            <a:r>
+              <a:rPr lang="en-US" dirty="0">
+                <a:solidFill>
+                  <a:schemeClr val="tx1">
+                    <a:lumMod val="75000"/>
+                    <a:lumOff val="25000"/>
+                  </a:schemeClr>
+                </a:solidFill>
+                <a:hlinkClick r:id="rId4"/>
+              </a:rPr>
+              <a:t>https://cssgridgarden.com/#ru</a:t>
+            </a:r>
+            <a:r>
+              <a:rPr lang="en-US" dirty="0">
+                <a:solidFill>
+                  <a:schemeClr val="tx1">
+                    <a:lumMod val="75000"/>
+                    <a:lumOff val="25000"/>
+                  </a:schemeClr>
+                </a:solidFill>
+              </a:rPr>
+              <a:t>) – </a:t>
+            </a:r>
+            <a:r>
+              <a:rPr lang="ru-RU" dirty="0">
+                <a:solidFill>
+                  <a:schemeClr val="tx1">
+                    <a:lumMod val="75000"/>
+                    <a:lumOff val="25000"/>
+                  </a:schemeClr>
+                </a:solidFill>
+              </a:rPr>
+              <a:t>обучение позиционированию элементов </a:t>
+            </a:r>
+            <a:r>
+              <a:rPr lang="ru-RU" dirty="0" err="1">
+                <a:solidFill>
+                  <a:schemeClr val="tx1">
+                    <a:lumMod val="75000"/>
+                    <a:lumOff val="25000"/>
+                  </a:schemeClr>
+                </a:solidFill>
+              </a:rPr>
+              <a:t>грида</a:t>
+            </a:r>
+            <a:r>
+              <a:rPr lang="ru-RU" dirty="0">
+                <a:solidFill>
+                  <a:schemeClr val="tx1">
+                    <a:lumMod val="75000"/>
+                    <a:lumOff val="25000"/>
+                  </a:schemeClr>
+                </a:solidFill>
+              </a:rPr>
+              <a:t> играя в игру</a:t>
+            </a:r>
+            <a:endParaRPr lang="en-US" dirty="0">
+              <a:solidFill>
+                <a:schemeClr val="tx1">
+                  <a:lumMod val="75000"/>
+                  <a:lumOff val="25000"/>
+                </a:schemeClr>
+              </a:solidFill>
+            </a:endParaRPr>
+          </a:p>
+          <a:p>
+            <a:pPr marL="514350" indent="-514350">
+              <a:buAutoNum type="arabicPeriod"/>
+            </a:pPr>
+            <a:r>
+              <a:rPr lang="en-RU" dirty="0">
+                <a:solidFill>
+                  <a:schemeClr val="tx1">
+                    <a:lumMod val="75000"/>
+                    <a:lumOff val="25000"/>
+                  </a:schemeClr>
+                </a:solidFill>
+              </a:rPr>
+              <a:t>Project source code</a:t>
+            </a:r>
+            <a:r>
+              <a:rPr lang="en-RU" dirty="0">
+                <a:solidFill>
+                  <a:schemeClr val="tx1">
+                    <a:lumMod val="75000"/>
+                    <a:lumOff val="25000"/>
+                  </a:schemeClr>
+                </a:solidFill>
+                <a:sym typeface="Wingdings" pitchFamily="2" charset="2"/>
+              </a:rPr>
+              <a:t> (</a:t>
+            </a:r>
+            <a:r>
+              <a:rPr lang="en-GB" dirty="0">
+                <a:solidFill>
+                  <a:schemeClr val="tx1">
+                    <a:lumMod val="75000"/>
+                    <a:lumOff val="25000"/>
+                  </a:schemeClr>
+                </a:solidFill>
+                <a:sym typeface="Wingdings" pitchFamily="2" charset="2"/>
+              </a:rPr>
+              <a:t>https://</a:t>
+            </a:r>
+            <a:r>
+              <a:rPr lang="en-GB" dirty="0" err="1">
+                <a:solidFill>
+                  <a:schemeClr val="tx1">
+                    <a:lumMod val="75000"/>
+                    <a:lumOff val="25000"/>
+                  </a:schemeClr>
+                </a:solidFill>
+                <a:sym typeface="Wingdings" pitchFamily="2" charset="2"/>
+              </a:rPr>
+              <a:t>github.com</a:t>
+            </a:r>
+            <a:r>
+              <a:rPr lang="en-GB" dirty="0">
+                <a:solidFill>
+                  <a:schemeClr val="tx1">
+                    <a:lumMod val="75000"/>
+                    <a:lumOff val="25000"/>
+                  </a:schemeClr>
+                </a:solidFill>
+                <a:sym typeface="Wingdings" pitchFamily="2" charset="2"/>
+              </a:rPr>
+              <a:t>/</a:t>
+            </a:r>
+            <a:r>
+              <a:rPr lang="en-GB" dirty="0" err="1">
+                <a:solidFill>
+                  <a:schemeClr val="tx1">
+                    <a:lumMod val="75000"/>
+                    <a:lumOff val="25000"/>
+                  </a:schemeClr>
+                </a:solidFill>
+                <a:sym typeface="Wingdings" pitchFamily="2" charset="2"/>
+              </a:rPr>
+              <a:t>TheHelmsman</a:t>
+            </a:r>
+            <a:r>
+              <a:rPr lang="en-GB" dirty="0">
+                <a:solidFill>
+                  <a:schemeClr val="tx1">
+                    <a:lumMod val="75000"/>
+                    <a:lumOff val="25000"/>
+                  </a:schemeClr>
+                </a:solidFill>
+                <a:sym typeface="Wingdings" pitchFamily="2" charset="2"/>
+              </a:rPr>
+              <a:t>/</a:t>
+            </a:r>
+            <a:r>
+              <a:rPr lang="en-GB" dirty="0" err="1">
+                <a:solidFill>
+                  <a:schemeClr val="tx1">
+                    <a:lumMod val="75000"/>
+                    <a:lumOff val="25000"/>
+                  </a:schemeClr>
+                </a:solidFill>
+                <a:sym typeface="Wingdings" pitchFamily="2" charset="2"/>
+              </a:rPr>
+              <a:t>css</a:t>
+            </a:r>
+            <a:r>
+              <a:rPr lang="en-GB" dirty="0">
+                <a:solidFill>
+                  <a:schemeClr val="tx1">
+                    <a:lumMod val="75000"/>
+                    <a:lumOff val="25000"/>
+                  </a:schemeClr>
+                </a:solidFill>
+                <a:sym typeface="Wingdings" pitchFamily="2" charset="2"/>
+              </a:rPr>
+              <a:t>-grid-layout</a:t>
+            </a:r>
+            <a:r>
+              <a:rPr lang="en-RU" dirty="0">
+                <a:solidFill>
+                  <a:schemeClr val="tx1">
+                    <a:lumMod val="75000"/>
+                    <a:lumOff val="25000"/>
+                  </a:schemeClr>
+                </a:solidFill>
+                <a:sym typeface="Wingdings" pitchFamily="2" charset="2"/>
+              </a:rPr>
+              <a:t>)</a:t>
+            </a:r>
+            <a:endParaRPr lang="en-RU" dirty="0">
+              <a:solidFill>
+                <a:schemeClr val="tx1">
+                  <a:lumMod val="75000"/>
+                  <a:lumOff val="25000"/>
+                </a:schemeClr>
+              </a:solidFill>
+            </a:endParaRPr>
+          </a:p>
+          <a:p>
+            <a:pPr marL="0" indent="0">
+              <a:buNone/>
+            </a:pPr>
+            <a:endParaRPr lang="en-RU" dirty="0">
+              <a:solidFill>
+                <a:schemeClr val="tx1">
+                  <a:lumMod val="75000"/>
+                  <a:lumOff val="25000"/>
+                </a:schemeClr>
+              </a:solidFill>
+            </a:endParaRPr>
+          </a:p>
+          <a:p>
+            <a:pPr marL="0" indent="0">
+              <a:buNone/>
+            </a:pPr>
+            <a:endParaRPr lang="en-RU" dirty="0">
+              <a:solidFill>
+                <a:schemeClr val="tx1">
+                  <a:lumMod val="75000"/>
+                  <a:lumOff val="25000"/>
+                </a:schemeClr>
+              </a:solidFill>
+            </a:endParaRPr>
+          </a:p>
+        </p:txBody>
+      </p:sp>
+      <p:sp>
+        <p:nvSpPr>
+          <p:cNvPr id="4" name="TextBox 3">
+            <a:extLst>
+              <a:ext uri="{FF2B5EF4-FFF2-40B4-BE49-F238E27FC236}">
+                <a16:creationId xmlns:a16="http://schemas.microsoft.com/office/drawing/2014/main" id="{C80FF608-252F-EF40-A3FC-20C2A2262794}"/>
+              </a:ext>
+            </a:extLst>
+          </p:cNvPr>
+          <p:cNvSpPr txBox="1"/>
+          <p:nvPr/>
+        </p:nvSpPr>
+        <p:spPr>
+          <a:xfrm>
+            <a:off x="382775" y="365122"/>
+            <a:ext cx="2700000" cy="3416320"/>
+          </a:xfrm>
+          <a:prstGeom prst="rect">
+            <a:avLst/>
+          </a:prstGeom>
+          <a:noFill/>
+        </p:spPr>
+        <p:txBody>
+          <a:bodyPr wrap="square" rtlCol="0">
+            <a:spAutoFit/>
+          </a:bodyPr>
+          <a:lstStyle/>
+          <a:p>
+            <a:r>
+              <a:rPr lang="en-RU" dirty="0">
+                <a:solidFill>
+                  <a:schemeClr val="tx1">
+                    <a:lumMod val="50000"/>
+                    <a:lumOff val="50000"/>
+                  </a:schemeClr>
+                </a:solidFill>
+              </a:rPr>
+              <a:t>- Introduction to CSS Grid</a:t>
+            </a:r>
+          </a:p>
+          <a:p>
+            <a:r>
+              <a:rPr lang="en-RU" dirty="0">
+                <a:solidFill>
+                  <a:schemeClr val="tx1">
+                    <a:lumMod val="50000"/>
+                    <a:lumOff val="50000"/>
+                  </a:schemeClr>
+                </a:solidFill>
+              </a:rPr>
+              <a:t>- Browser support</a:t>
+            </a:r>
+          </a:p>
+          <a:p>
+            <a:r>
+              <a:rPr lang="en-RU" dirty="0">
+                <a:solidFill>
+                  <a:schemeClr val="tx1">
+                    <a:lumMod val="50000"/>
+                    <a:lumOff val="50000"/>
+                  </a:schemeClr>
+                </a:solidFill>
+              </a:rPr>
+              <a:t>- Grid Container and Gaps</a:t>
+            </a:r>
+          </a:p>
+          <a:p>
+            <a:r>
+              <a:rPr lang="en-RU" dirty="0">
+                <a:solidFill>
+                  <a:schemeClr val="tx1">
+                    <a:lumMod val="50000"/>
+                    <a:lumOff val="50000"/>
+                  </a:schemeClr>
+                </a:solidFill>
+              </a:rPr>
+              <a:t>- Grid template colums and rows</a:t>
+            </a:r>
+          </a:p>
+          <a:p>
+            <a:r>
+              <a:rPr lang="en-RU" dirty="0">
+                <a:solidFill>
+                  <a:schemeClr val="tx1">
+                    <a:lumMod val="50000"/>
+                    <a:lumOff val="50000"/>
+                  </a:schemeClr>
+                </a:solidFill>
+              </a:rPr>
+              <a:t>- Grid rows height</a:t>
+            </a:r>
+          </a:p>
+          <a:p>
+            <a:r>
+              <a:rPr lang="en-RU" dirty="0">
+                <a:solidFill>
+                  <a:schemeClr val="tx1">
+                    <a:lumMod val="50000"/>
+                    <a:lumOff val="50000"/>
+                  </a:schemeClr>
+                </a:solidFill>
+              </a:rPr>
+              <a:t>- Alignments</a:t>
+            </a:r>
+          </a:p>
+          <a:p>
+            <a:r>
+              <a:rPr lang="en-RU" dirty="0">
+                <a:solidFill>
+                  <a:schemeClr val="tx1">
+                    <a:lumMod val="50000"/>
+                    <a:lumOff val="50000"/>
+                  </a:schemeClr>
+                </a:solidFill>
+              </a:rPr>
+              <a:t>- Grid column and rows, lines concept</a:t>
+            </a:r>
+          </a:p>
+          <a:p>
+            <a:r>
+              <a:rPr lang="en-RU" dirty="0">
+                <a:solidFill>
+                  <a:schemeClr val="accent6"/>
+                </a:solidFill>
+              </a:rPr>
+              <a:t>+ References</a:t>
+            </a:r>
+          </a:p>
+          <a:p>
+            <a:endParaRPr lang="en-RU" dirty="0"/>
+          </a:p>
+          <a:p>
+            <a:endParaRPr lang="en-RU" dirty="0"/>
+          </a:p>
+        </p:txBody>
+      </p:sp>
+    </p:spTree>
+    <p:extLst>
+      <p:ext uri="{BB962C8B-B14F-4D97-AF65-F5344CB8AC3E}">
+        <p14:creationId xmlns:p14="http://schemas.microsoft.com/office/powerpoint/2010/main" val="1439097509"/>
+      </p:ext>
+    </p:extLst>
+  </p:cSld>
+  <p:clrMapOvr>
+    <a:masterClrMapping/>
+  </p:clrMapOvr>
+</p:sld>
+</file>
+
 <file path=ppt/slides/slide2.xml><?xml version="1.0" encoding="utf-8"?>
 <p:sld xmlns:a="http://schemas.openxmlformats.org/drawingml/2006/main" xmlns:r="http://schemas.openxmlformats.org/officeDocument/2006/relationships" xmlns:p="http://schemas.openxmlformats.org/presentationml/2006/main">
   <p:cSld>
@@ -3936,7 +4511,7 @@
         <p:spPr>
           <a:xfrm>
             <a:off x="382775" y="365122"/>
-            <a:ext cx="2700000" cy="3139321"/>
+            <a:ext cx="2700000" cy="3416320"/>
           </a:xfrm>
           <a:prstGeom prst="rect">
             <a:avLst/>
@@ -4034,6 +4609,19 @@
                 </a:solidFill>
               </a:rPr>
               <a:t>- Grid column and rows, lines concept</a:t>
+            </a:r>
+          </a:p>
+          <a:p>
+            <a:r>
+              <a:rPr lang="en-RU" dirty="0">
+                <a:solidFill>
+                  <a:schemeClr val="tx1">
+                    <a:lumMod val="50000"/>
+                    <a:lumOff val="50000"/>
+                  </a:schemeClr>
+                </a:solidFill>
+              </a:rPr>
+              <a:t>- References</a:t>
             </a:r>
           </a:p>
           <a:p>
@@ -4119,7 +4707,7 @@
         <p:spPr>
           <a:xfrm>
             <a:off x="382775" y="365122"/>
-            <a:ext cx="2700000" cy="3416320"/>
+            <a:ext cx="2700000" cy="3693319"/>
           </a:xfrm>
           <a:prstGeom prst="rect">
             <a:avLst/>
@@ -4217,6 +4805,19 @@
                 </a:solidFill>
               </a:rPr>
               <a:t>- Grid column and rows, lines concept</a:t>
+            </a:r>
+          </a:p>
+          <a:p>
+            <a:r>
+              <a:rPr lang="en-RU" dirty="0">
+                <a:solidFill>
+                  <a:schemeClr val="tx1">
+                    <a:lumMod val="50000"/>
+                    <a:lumOff val="50000"/>
+                  </a:schemeClr>
+                </a:solidFill>
+              </a:rPr>
+              <a:t>- References</a:t>
             </a:r>
           </a:p>
           <a:p>
@@ -4519,7 +5120,7 @@
         <p:spPr>
           <a:xfrm>
             <a:off x="382775" y="365122"/>
-            <a:ext cx="2700000" cy="2862322"/>
+            <a:ext cx="2700000" cy="3139321"/>
           </a:xfrm>
           <a:prstGeom prst="rect">
             <a:avLst/>
@@ -4618,6 +5219,19 @@
                 </a:solidFill>
               </a:rPr>
               <a:t>- Grid column and rows, lines concept</a:t>
+            </a:r>
+          </a:p>
+          <a:p>
+            <a:r>
+              <a:rPr lang="en-RU" dirty="0">
+                <a:solidFill>
+                  <a:schemeClr val="tx1">
+                    <a:lumMod val="50000"/>
+                    <a:lumOff val="50000"/>
+                  </a:schemeClr>
+                </a:solidFill>
+              </a:rPr>
+              <a:t>- References</a:t>
             </a:r>
           </a:p>
           <a:p>
@@ -4928,7 +5542,7 @@
         <p:spPr>
           <a:xfrm>
             <a:off x="382775" y="365122"/>
-            <a:ext cx="2700000" cy="3139321"/>
+            <a:ext cx="2700000" cy="3416320"/>
           </a:xfrm>
           <a:prstGeom prst="rect">
             <a:avLst/>
@@ -5026,6 +5640,19 @@
                 </a:solidFill>
               </a:rPr>
               <a:t>- Grid column and rows, lines concept</a:t>
+            </a:r>
+          </a:p>
+          <a:p>
+            <a:r>
+              <a:rPr lang="en-RU" dirty="0">
+                <a:solidFill>
+                  <a:schemeClr val="tx1">
+                    <a:lumMod val="50000"/>
+                    <a:lumOff val="50000"/>
+                  </a:schemeClr>
+                </a:solidFill>
+              </a:rPr>
+              <a:t>- References</a:t>
             </a:r>
           </a:p>
           <a:p>
@@ -5263,7 +5890,7 @@
         <p:spPr>
           <a:xfrm>
             <a:off x="382775" y="365122"/>
-            <a:ext cx="2700000" cy="3416320"/>
+            <a:ext cx="2700000" cy="3693319"/>
           </a:xfrm>
           <a:prstGeom prst="rect">
             <a:avLst/>
@@ -5361,6 +5988,19 @@
                 </a:solidFill>
               </a:rPr>
               <a:t>- Grid column and rows, lines concept</a:t>
+            </a:r>
+          </a:p>
+          <a:p>
+            <a:r>
+              <a:rPr lang="en-RU" dirty="0">
+                <a:solidFill>
+                  <a:schemeClr val="tx1">
+                    <a:lumMod val="50000"/>
+                    <a:lumOff val="50000"/>
+                  </a:schemeClr>
+                </a:solidFill>
+              </a:rPr>
+              <a:t>- References</a:t>
             </a:r>
           </a:p>
           <a:p>
@@ -5592,7 +6232,7 @@
         <p:spPr>
           <a:xfrm>
             <a:off x="382775" y="365122"/>
-            <a:ext cx="2700000" cy="3139321"/>
+            <a:ext cx="2700000" cy="3416320"/>
           </a:xfrm>
           <a:prstGeom prst="rect">
             <a:avLst/>
@@ -5690,6 +6330,19 @@
                 </a:solidFill>
               </a:rPr>
               <a:t>- Grid column and rows, lines concept</a:t>
+            </a:r>
+          </a:p>
+          <a:p>
+            <a:r>
+              <a:rPr lang="en-RU" dirty="0">
+                <a:solidFill>
+                  <a:schemeClr val="tx1">
+                    <a:lumMod val="50000"/>
+                    <a:lumOff val="50000"/>
+                  </a:schemeClr>
+                </a:solidFill>
+              </a:rPr>
+              <a:t>- References</a:t>
             </a:r>
           </a:p>
           <a:p>
@@ -6026,11 +6679,17 @@
             </a:r>
           </a:p>
           <a:p>
-            <a:endParaRPr lang="en-RU" dirty="0">
-              <a:solidFill>
-                <a:schemeClr val="accent6"/>
-              </a:solidFill>
-            </a:endParaRPr>
+            <a:r>
+              <a:rPr lang="en-RU" dirty="0">
+                <a:solidFill>
+                  <a:schemeClr val="tx1">
+                    <a:lumMod val="50000"/>
+                    <a:lumOff val="50000"/>
+                  </a:schemeClr>
+                </a:solidFill>
+              </a:rPr>
+              <a:t>- References</a:t>
+            </a:r>
           </a:p>
           <a:p>
             <a:endParaRPr lang="en-RU" dirty="0"/>
@@ -6333,7 +6992,7 @@
         <p:spPr>
           <a:xfrm>
             <a:off x="382775" y="365122"/>
-            <a:ext cx="2700000" cy="3139321"/>
+            <a:ext cx="2700000" cy="3416320"/>
           </a:xfrm>
           <a:prstGeom prst="rect">
             <a:avLst/>
@@ -6431,6 +7090,19 @@
                 </a:solidFill>
               </a:rPr>
               <a:t>+ Grid column and rows, lines concept</a:t>
+            </a:r>
+          </a:p>
+          <a:p>
+            <a:r>
+              <a:rPr lang="en-RU" dirty="0">
+                <a:solidFill>
+                  <a:schemeClr val="tx1">
+                    <a:lumMod val="50000"/>
+                    <a:lumOff val="50000"/>
+                  </a:schemeClr>
+                </a:solidFill>
+              </a:rPr>
+              <a:t>- References</a:t>
             </a:r>
           </a:p>
           <a:p>
